--- a/docsGerais/tec.pptx
+++ b/docsGerais/tec.pptx
@@ -2,11 +2,16 @@
 <file path=ppt/presentation.xml><?xml version="1.0" encoding="utf-8"?>
 <p:presentation xmlns:a="http://schemas.openxmlformats.org/drawingml/2006/main" xmlns:r="http://schemas.openxmlformats.org/officeDocument/2006/relationships" xmlns:p="http://schemas.openxmlformats.org/presentationml/2006/main" autoCompressPictures="0">
   <p:sldMasterIdLst>
-    <p:sldMasterId id="2147483684" r:id="rId1"/>
+    <p:sldMasterId id="2147483708" r:id="rId1"/>
   </p:sldMasterIdLst>
   <p:sldIdLst>
     <p:sldId id="256" r:id="rId2"/>
-    <p:sldId id="257" r:id="rId3"/>
+    <p:sldId id="259" r:id="rId3"/>
+    <p:sldId id="260" r:id="rId4"/>
+    <p:sldId id="261" r:id="rId5"/>
+    <p:sldId id="262" r:id="rId6"/>
+    <p:sldId id="263" r:id="rId7"/>
+    <p:sldId id="258" r:id="rId8"/>
   </p:sldIdLst>
   <p:sldSz cx="12192000" cy="6858000"/>
   <p:notesSz cx="6858000" cy="9144000"/>
@@ -105,6 +110,11 @@
       </a:defRPr>
     </a:lvl9pPr>
   </p:defaultTextStyle>
+  <p:extLst>
+    <p:ext uri="{EFAFB233-063F-42B5-8137-9DF3F51BA10A}">
+      <p15:sldGuideLst xmlns:p15="http://schemas.microsoft.com/office/powerpoint/2012/main"/>
+    </p:ext>
+  </p:extLst>
 </p:presentation>
 </file>
 
@@ -303,7 +313,7 @@
           </a:lstStyle>
           <a:p>
             <a:fld id="{96DFF08F-DC6B-4601-B491-B0F83F6DD2DA}" type="datetimeFigureOut">
-              <a:rPr lang="en-US" dirty="0"/>
+              <a:rPr lang="en-US" smtClean="0"/>
               <a:t>9/1/2018</a:t>
             </a:fld>
             <a:endParaRPr lang="en-US" dirty="0"/>
@@ -361,7 +371,7 @@
           </a:lstStyle>
           <a:p>
             <a:fld id="{4FAB73BC-B049-4115-A692-8D63A059BFB8}" type="slidenum">
-              <a:rPr lang="en-US" dirty="0"/>
+              <a:rPr lang="en-US" smtClean="0"/>
               <a:t>‹nº›</a:t>
             </a:fld>
             <a:endParaRPr lang="en-US" dirty="0"/>
@@ -404,6 +414,11 @@
         </p:style>
       </p:cxnSp>
     </p:spTree>
+    <p:extLst>
+      <p:ext uri="{BB962C8B-B14F-4D97-AF65-F5344CB8AC3E}">
+        <p14:creationId xmlns:p14="http://schemas.microsoft.com/office/powerpoint/2010/main" val="2930850897"/>
+      </p:ext>
+    </p:extLst>
   </p:cSld>
   <p:clrMapOvr>
     <a:masterClrMapping/>
@@ -519,7 +534,7 @@
           <a:lstStyle/>
           <a:p>
             <a:fld id="{96DFF08F-DC6B-4601-B491-B0F83F6DD2DA}" type="datetimeFigureOut">
-              <a:rPr lang="en-US" dirty="0"/>
+              <a:rPr lang="en-US" smtClean="0"/>
               <a:t>9/1/2018</a:t>
             </a:fld>
             <a:endParaRPr lang="en-US" dirty="0"/>
@@ -561,7 +576,7 @@
           <a:lstStyle/>
           <a:p>
             <a:fld id="{4FAB73BC-B049-4115-A692-8D63A059BFB8}" type="slidenum">
-              <a:rPr lang="en-US" dirty="0"/>
+              <a:rPr lang="en-US" smtClean="0"/>
               <a:t>‹nº›</a:t>
             </a:fld>
             <a:endParaRPr lang="en-US" dirty="0"/>
@@ -569,6 +584,11 @@
         </p:txBody>
       </p:sp>
     </p:spTree>
+    <p:extLst>
+      <p:ext uri="{BB962C8B-B14F-4D97-AF65-F5344CB8AC3E}">
+        <p14:creationId xmlns:p14="http://schemas.microsoft.com/office/powerpoint/2010/main" val="3805149423"/>
+      </p:ext>
+    </p:extLst>
   </p:cSld>
   <p:clrMapOvr>
     <a:masterClrMapping/>
@@ -694,7 +714,7 @@
           <a:lstStyle/>
           <a:p>
             <a:fld id="{96DFF08F-DC6B-4601-B491-B0F83F6DD2DA}" type="datetimeFigureOut">
-              <a:rPr lang="en-US" dirty="0"/>
+              <a:rPr lang="en-US" smtClean="0"/>
               <a:t>9/1/2018</a:t>
             </a:fld>
             <a:endParaRPr lang="en-US" dirty="0"/>
@@ -736,7 +756,7 @@
           <a:lstStyle/>
           <a:p>
             <a:fld id="{4FAB73BC-B049-4115-A692-8D63A059BFB8}" type="slidenum">
-              <a:rPr lang="en-US" dirty="0"/>
+              <a:rPr lang="en-US" smtClean="0"/>
               <a:t>‹nº›</a:t>
             </a:fld>
             <a:endParaRPr lang="en-US" dirty="0"/>
@@ -744,6 +764,11 @@
         </p:txBody>
       </p:sp>
     </p:spTree>
+    <p:extLst>
+      <p:ext uri="{BB962C8B-B14F-4D97-AF65-F5344CB8AC3E}">
+        <p14:creationId xmlns:p14="http://schemas.microsoft.com/office/powerpoint/2010/main" val="1248607828"/>
+      </p:ext>
+    </p:extLst>
   </p:cSld>
   <p:clrMapOvr>
     <a:masterClrMapping/>
@@ -859,7 +884,7 @@
           <a:lstStyle/>
           <a:p>
             <a:fld id="{96DFF08F-DC6B-4601-B491-B0F83F6DD2DA}" type="datetimeFigureOut">
-              <a:rPr lang="en-US" dirty="0"/>
+              <a:rPr lang="en-US" smtClean="0"/>
               <a:t>9/1/2018</a:t>
             </a:fld>
             <a:endParaRPr lang="en-US" dirty="0"/>
@@ -901,7 +926,7 @@
           <a:lstStyle/>
           <a:p>
             <a:fld id="{4FAB73BC-B049-4115-A692-8D63A059BFB8}" type="slidenum">
-              <a:rPr lang="en-US" dirty="0"/>
+              <a:rPr lang="en-US" smtClean="0"/>
               <a:t>‹nº›</a:t>
             </a:fld>
             <a:endParaRPr lang="en-US" dirty="0"/>
@@ -909,6 +934,11 @@
         </p:txBody>
       </p:sp>
     </p:spTree>
+    <p:extLst>
+      <p:ext uri="{BB962C8B-B14F-4D97-AF65-F5344CB8AC3E}">
+        <p14:creationId xmlns:p14="http://schemas.microsoft.com/office/powerpoint/2010/main" val="4220060257"/>
+      </p:ext>
+    </p:extLst>
   </p:cSld>
   <p:clrMapOvr>
     <a:masterClrMapping/>
@@ -1105,7 +1135,7 @@
           <a:lstStyle/>
           <a:p>
             <a:fld id="{96DFF08F-DC6B-4601-B491-B0F83F6DD2DA}" type="datetimeFigureOut">
-              <a:rPr lang="en-US" dirty="0"/>
+              <a:rPr lang="en-US" smtClean="0"/>
               <a:t>9/1/2018</a:t>
             </a:fld>
             <a:endParaRPr lang="en-US" dirty="0"/>
@@ -1147,7 +1177,7 @@
           <a:lstStyle/>
           <a:p>
             <a:fld id="{4FAB73BC-B049-4115-A692-8D63A059BFB8}" type="slidenum">
-              <a:rPr lang="en-US" dirty="0"/>
+              <a:rPr lang="en-US" smtClean="0"/>
               <a:t>‹nº›</a:t>
             </a:fld>
             <a:endParaRPr lang="en-US" dirty="0"/>
@@ -1190,6 +1220,11 @@
         </p:style>
       </p:cxnSp>
     </p:spTree>
+    <p:extLst>
+      <p:ext uri="{BB962C8B-B14F-4D97-AF65-F5344CB8AC3E}">
+        <p14:creationId xmlns:p14="http://schemas.microsoft.com/office/powerpoint/2010/main" val="508157655"/>
+      </p:ext>
+    </p:extLst>
   </p:cSld>
   <p:clrMapOvr>
     <a:masterClrMapping/>
@@ -1423,7 +1458,7 @@
           <a:lstStyle/>
           <a:p>
             <a:fld id="{96DFF08F-DC6B-4601-B491-B0F83F6DD2DA}" type="datetimeFigureOut">
-              <a:rPr lang="en-US" dirty="0"/>
+              <a:rPr lang="en-US" smtClean="0"/>
               <a:t>9/1/2018</a:t>
             </a:fld>
             <a:endParaRPr lang="en-US" dirty="0"/>
@@ -1465,7 +1500,7 @@
           <a:lstStyle/>
           <a:p>
             <a:fld id="{4FAB73BC-B049-4115-A692-8D63A059BFB8}" type="slidenum">
-              <a:rPr lang="en-US" dirty="0"/>
+              <a:rPr lang="en-US" smtClean="0"/>
               <a:t>‹nº›</a:t>
             </a:fld>
             <a:endParaRPr lang="en-US" dirty="0"/>
@@ -1473,6 +1508,11 @@
         </p:txBody>
       </p:sp>
     </p:spTree>
+    <p:extLst>
+      <p:ext uri="{BB962C8B-B14F-4D97-AF65-F5344CB8AC3E}">
+        <p14:creationId xmlns:p14="http://schemas.microsoft.com/office/powerpoint/2010/main" val="551863936"/>
+      </p:ext>
+    </p:extLst>
   </p:cSld>
   <p:clrMapOvr>
     <a:masterClrMapping/>
@@ -1842,7 +1882,7 @@
           <a:lstStyle/>
           <a:p>
             <a:fld id="{96DFF08F-DC6B-4601-B491-B0F83F6DD2DA}" type="datetimeFigureOut">
-              <a:rPr lang="en-US" dirty="0"/>
+              <a:rPr lang="en-US" smtClean="0"/>
               <a:t>9/1/2018</a:t>
             </a:fld>
             <a:endParaRPr lang="en-US" dirty="0"/>
@@ -1884,7 +1924,7 @@
           <a:lstStyle/>
           <a:p>
             <a:fld id="{4FAB73BC-B049-4115-A692-8D63A059BFB8}" type="slidenum">
-              <a:rPr lang="en-US" dirty="0"/>
+              <a:rPr lang="en-US" smtClean="0"/>
               <a:t>‹nº›</a:t>
             </a:fld>
             <a:endParaRPr lang="en-US" dirty="0"/>
@@ -1892,6 +1932,11 @@
         </p:txBody>
       </p:sp>
     </p:spTree>
+    <p:extLst>
+      <p:ext uri="{BB962C8B-B14F-4D97-AF65-F5344CB8AC3E}">
+        <p14:creationId xmlns:p14="http://schemas.microsoft.com/office/powerpoint/2010/main" val="1959056256"/>
+      </p:ext>
+    </p:extLst>
   </p:cSld>
   <p:clrMapOvr>
     <a:masterClrMapping/>
@@ -1955,7 +2000,7 @@
           <a:lstStyle/>
           <a:p>
             <a:fld id="{96DFF08F-DC6B-4601-B491-B0F83F6DD2DA}" type="datetimeFigureOut">
-              <a:rPr lang="en-US" dirty="0"/>
+              <a:rPr lang="en-US" smtClean="0"/>
               <a:t>9/1/2018</a:t>
             </a:fld>
             <a:endParaRPr lang="en-US" dirty="0"/>
@@ -1997,7 +2042,7 @@
           <a:lstStyle/>
           <a:p>
             <a:fld id="{4FAB73BC-B049-4115-A692-8D63A059BFB8}" type="slidenum">
-              <a:rPr lang="en-US" dirty="0"/>
+              <a:rPr lang="en-US" smtClean="0"/>
               <a:t>‹nº›</a:t>
             </a:fld>
             <a:endParaRPr lang="en-US" dirty="0"/>
@@ -2005,6 +2050,11 @@
         </p:txBody>
       </p:sp>
     </p:spTree>
+    <p:extLst>
+      <p:ext uri="{BB962C8B-B14F-4D97-AF65-F5344CB8AC3E}">
+        <p14:creationId xmlns:p14="http://schemas.microsoft.com/office/powerpoint/2010/main" val="2395218778"/>
+      </p:ext>
+    </p:extLst>
   </p:cSld>
   <p:clrMapOvr>
     <a:masterClrMapping/>
@@ -2045,7 +2095,7 @@
           <a:lstStyle/>
           <a:p>
             <a:fld id="{96DFF08F-DC6B-4601-B491-B0F83F6DD2DA}" type="datetimeFigureOut">
-              <a:rPr lang="en-US" dirty="0"/>
+              <a:rPr lang="en-US" smtClean="0"/>
               <a:t>9/1/2018</a:t>
             </a:fld>
             <a:endParaRPr lang="en-US" dirty="0"/>
@@ -2087,7 +2137,7 @@
           <a:lstStyle/>
           <a:p>
             <a:fld id="{4FAB73BC-B049-4115-A692-8D63A059BFB8}" type="slidenum">
-              <a:rPr lang="en-US" dirty="0"/>
+              <a:rPr lang="en-US" smtClean="0"/>
               <a:t>‹nº›</a:t>
             </a:fld>
             <a:endParaRPr lang="en-US" dirty="0"/>
@@ -2095,6 +2145,11 @@
         </p:txBody>
       </p:sp>
     </p:spTree>
+    <p:extLst>
+      <p:ext uri="{BB962C8B-B14F-4D97-AF65-F5344CB8AC3E}">
+        <p14:creationId xmlns:p14="http://schemas.microsoft.com/office/powerpoint/2010/main" val="680298518"/>
+      </p:ext>
+    </p:extLst>
   </p:cSld>
   <p:clrMapOvr>
     <a:masterClrMapping/>
@@ -2330,7 +2385,7 @@
           <a:lstStyle/>
           <a:p>
             <a:fld id="{96DFF08F-DC6B-4601-B491-B0F83F6DD2DA}" type="datetimeFigureOut">
-              <a:rPr lang="en-US" dirty="0"/>
+              <a:rPr lang="en-US" smtClean="0"/>
               <a:t>9/1/2018</a:t>
             </a:fld>
             <a:endParaRPr lang="en-US" dirty="0"/>
@@ -2372,7 +2427,7 @@
           <a:lstStyle/>
           <a:p>
             <a:fld id="{4FAB73BC-B049-4115-A692-8D63A059BFB8}" type="slidenum">
-              <a:rPr lang="en-US" dirty="0"/>
+              <a:rPr lang="en-US" smtClean="0"/>
               <a:t>‹nº›</a:t>
             </a:fld>
             <a:endParaRPr lang="en-US" dirty="0"/>
@@ -2380,6 +2435,11 @@
         </p:txBody>
       </p:sp>
     </p:spTree>
+    <p:extLst>
+      <p:ext uri="{BB962C8B-B14F-4D97-AF65-F5344CB8AC3E}">
+        <p14:creationId xmlns:p14="http://schemas.microsoft.com/office/powerpoint/2010/main" val="2997178761"/>
+      </p:ext>
+    </p:extLst>
   </p:cSld>
   <p:clrMapOvr>
     <a:masterClrMapping/>
@@ -2597,7 +2657,7 @@
           <a:lstStyle/>
           <a:p>
             <a:fld id="{96DFF08F-DC6B-4601-B491-B0F83F6DD2DA}" type="datetimeFigureOut">
-              <a:rPr lang="en-US" dirty="0"/>
+              <a:rPr lang="en-US" smtClean="0"/>
               <a:t>9/1/2018</a:t>
             </a:fld>
             <a:endParaRPr lang="en-US" dirty="0"/>
@@ -2639,7 +2699,7 @@
           <a:lstStyle/>
           <a:p>
             <a:fld id="{4FAB73BC-B049-4115-A692-8D63A059BFB8}" type="slidenum">
-              <a:rPr lang="en-US" dirty="0"/>
+              <a:rPr lang="en-US" smtClean="0"/>
               <a:t>‹nº›</a:t>
             </a:fld>
             <a:endParaRPr lang="en-US" dirty="0"/>
@@ -2647,6 +2707,11 @@
         </p:txBody>
       </p:sp>
     </p:spTree>
+    <p:extLst>
+      <p:ext uri="{BB962C8B-B14F-4D97-AF65-F5344CB8AC3E}">
+        <p14:creationId xmlns:p14="http://schemas.microsoft.com/office/powerpoint/2010/main" val="608610954"/>
+      </p:ext>
+    </p:extLst>
   </p:cSld>
   <p:clrMapOvr>
     <a:masterClrMapping/>
@@ -2846,7 +2911,7 @@
           </a:lstStyle>
           <a:p>
             <a:fld id="{96DFF08F-DC6B-4601-B491-B0F83F6DD2DA}" type="datetimeFigureOut">
-              <a:rPr lang="en-US" dirty="0"/>
+              <a:rPr lang="en-US" smtClean="0"/>
               <a:pPr/>
               <a:t>9/1/2018</a:t>
             </a:fld>
@@ -2921,7 +2986,7 @@
           </a:lstStyle>
           <a:p>
             <a:fld id="{4FAB73BC-B049-4115-A692-8D63A059BFB8}" type="slidenum">
-              <a:rPr lang="en-US" dirty="0"/>
+              <a:rPr lang="en-US" smtClean="0"/>
               <a:pPr/>
               <a:t>‹nº›</a:t>
             </a:fld>
@@ -2930,20 +2995,25 @@
         </p:txBody>
       </p:sp>
     </p:spTree>
+    <p:extLst>
+      <p:ext uri="{BB962C8B-B14F-4D97-AF65-F5344CB8AC3E}">
+        <p14:creationId xmlns:p14="http://schemas.microsoft.com/office/powerpoint/2010/main" val="1192676896"/>
+      </p:ext>
+    </p:extLst>
   </p:cSld>
   <p:clrMap bg1="lt1" tx1="dk1" bg2="lt2" tx2="dk2" accent1="accent1" accent2="accent2" accent3="accent3" accent4="accent4" accent5="accent5" accent6="accent6" hlink="hlink" folHlink="folHlink"/>
   <p:sldLayoutIdLst>
-    <p:sldLayoutId id="2147483685" r:id="rId1"/>
-    <p:sldLayoutId id="2147483686" r:id="rId2"/>
-    <p:sldLayoutId id="2147483687" r:id="rId3"/>
-    <p:sldLayoutId id="2147483688" r:id="rId4"/>
-    <p:sldLayoutId id="2147483689" r:id="rId5"/>
-    <p:sldLayoutId id="2147483690" r:id="rId6"/>
-    <p:sldLayoutId id="2147483691" r:id="rId7"/>
-    <p:sldLayoutId id="2147483692" r:id="rId8"/>
-    <p:sldLayoutId id="2147483693" r:id="rId9"/>
-    <p:sldLayoutId id="2147483694" r:id="rId10"/>
-    <p:sldLayoutId id="2147483695" r:id="rId11"/>
+    <p:sldLayoutId id="2147483709" r:id="rId1"/>
+    <p:sldLayoutId id="2147483710" r:id="rId2"/>
+    <p:sldLayoutId id="2147483711" r:id="rId3"/>
+    <p:sldLayoutId id="2147483712" r:id="rId4"/>
+    <p:sldLayoutId id="2147483713" r:id="rId5"/>
+    <p:sldLayoutId id="2147483714" r:id="rId6"/>
+    <p:sldLayoutId id="2147483715" r:id="rId7"/>
+    <p:sldLayoutId id="2147483716" r:id="rId8"/>
+    <p:sldLayoutId id="2147483717" r:id="rId9"/>
+    <p:sldLayoutId id="2147483718" r:id="rId10"/>
+    <p:sldLayoutId id="2147483719" r:id="rId11"/>
   </p:sldLayoutIdLst>
   <p:txStyles>
     <p:titleStyle>
@@ -3335,6 +3405,44 @@
           </a:prstGeom>
         </p:spPr>
       </p:pic>
+      <p:sp>
+        <p:nvSpPr>
+          <p:cNvPr id="2" name="CaixaDeTexto 1"/>
+          <p:cNvSpPr txBox="1"/>
+          <p:nvPr/>
+        </p:nvSpPr>
+        <p:spPr>
+          <a:xfrm>
+            <a:off x="4649273" y="6130344"/>
+            <a:ext cx="5066024" cy="369332"/>
+          </a:xfrm>
+          <a:prstGeom prst="rect">
+            <a:avLst/>
+          </a:prstGeom>
+          <a:noFill/>
+        </p:spPr>
+        <p:txBody>
+          <a:bodyPr wrap="square" rtlCol="0">
+            <a:spAutoFit/>
+          </a:bodyPr>
+          <a:lstStyle/>
+          <a:p>
+            <a:r>
+              <a:rPr lang="pt-BR" dirty="0" smtClean="0">
+                <a:solidFill>
+                  <a:schemeClr val="bg1"/>
+                </a:solidFill>
+              </a:rPr>
+              <a:t>Colaborar para transformar</a:t>
+            </a:r>
+            <a:endParaRPr lang="pt-BR" dirty="0">
+              <a:solidFill>
+                <a:schemeClr val="bg1"/>
+              </a:solidFill>
+            </a:endParaRPr>
+          </a:p>
+        </p:txBody>
+      </p:sp>
     </p:spTree>
     <p:extLst>
       <p:ext uri="{BB962C8B-B14F-4D97-AF65-F5344CB8AC3E}">
@@ -3345,10 +3453,1649 @@
   <p:clrMapOvr>
     <a:masterClrMapping/>
   </p:clrMapOvr>
+  <p:timing>
+    <p:tnLst>
+      <p:par>
+        <p:cTn id="1" dur="indefinite" restart="never" nodeType="tmRoot"/>
+      </p:par>
+    </p:tnLst>
+  </p:timing>
 </p:sld>
 </file>
 
 <file path=ppt/slides/slide2.xml><?xml version="1.0" encoding="utf-8"?>
+<p:sld xmlns:a="http://schemas.openxmlformats.org/drawingml/2006/main" xmlns:r="http://schemas.openxmlformats.org/officeDocument/2006/relationships" xmlns:p="http://schemas.openxmlformats.org/presentationml/2006/main">
+  <p:cSld>
+    <p:spTree>
+      <p:nvGrpSpPr>
+        <p:cNvPr id="1" name=""/>
+        <p:cNvGrpSpPr/>
+        <p:nvPr/>
+      </p:nvGrpSpPr>
+      <p:grpSpPr>
+        <a:xfrm>
+          <a:off x="0" y="0"/>
+          <a:ext cx="0" cy="0"/>
+          <a:chOff x="0" y="0"/>
+          <a:chExt cx="0" cy="0"/>
+        </a:xfrm>
+      </p:grpSpPr>
+      <p:sp>
+        <p:nvSpPr>
+          <p:cNvPr id="5" name="Título 1">
+            <a:extLst>
+              <a:ext uri="{FF2B5EF4-FFF2-40B4-BE49-F238E27FC236}">
+                <a16:creationId xmlns="" xmlns:a16="http://schemas.microsoft.com/office/drawing/2014/main" xmlns:lc="http://schemas.openxmlformats.org/drawingml/2006/lockedCanvas" id="{F2798ED8-6DFF-4F0D-9121-8131C0970434}"/>
+              </a:ext>
+            </a:extLst>
+          </p:cNvPr>
+          <p:cNvSpPr>
+            <a:spLocks noGrp="1"/>
+          </p:cNvSpPr>
+          <p:nvPr>
+            <p:ph type="title"/>
+          </p:nvPr>
+        </p:nvSpPr>
+        <p:spPr>
+          <a:prstGeom prst="rect">
+            <a:avLst/>
+          </a:prstGeom>
+        </p:spPr>
+        <p:txBody>
+          <a:bodyPr vert="horz" lIns="91440" tIns="45720" rIns="91440" bIns="45720" rtlCol="0" anchor="ctr">
+            <a:normAutofit/>
+          </a:bodyPr>
+          <a:lstStyle>
+            <a:lvl1pPr algn="l" defTabSz="914400" rtl="0" eaLnBrk="1" latinLnBrk="0" hangingPunct="1">
+              <a:lnSpc>
+                <a:spcPct val="90000"/>
+              </a:lnSpc>
+              <a:spcBef>
+                <a:spcPct val="0"/>
+              </a:spcBef>
+              <a:buNone/>
+              <a:defRPr sz="4400" kern="1200">
+                <a:solidFill>
+                  <a:schemeClr val="tx1"/>
+                </a:solidFill>
+                <a:latin typeface="+mj-lt"/>
+                <a:ea typeface="+mj-ea"/>
+                <a:cs typeface="+mj-cs"/>
+              </a:defRPr>
+            </a:lvl1pPr>
+          </a:lstStyle>
+          <a:p>
+            <a:r>
+              <a:rPr lang="pt-BR" dirty="0">
+                <a:solidFill>
+                  <a:schemeClr val="accent2"/>
+                </a:solidFill>
+              </a:rPr>
+              <a:t>O que </a:t>
+            </a:r>
+            <a:r>
+              <a:rPr lang="pt-BR" dirty="0" smtClean="0">
+                <a:solidFill>
+                  <a:schemeClr val="accent2"/>
+                </a:solidFill>
+              </a:rPr>
+              <a:t>é?</a:t>
+            </a:r>
+            <a:endParaRPr lang="pt-BR" dirty="0">
+              <a:solidFill>
+                <a:schemeClr val="accent2"/>
+              </a:solidFill>
+            </a:endParaRPr>
+          </a:p>
+        </p:txBody>
+      </p:sp>
+      <p:sp>
+        <p:nvSpPr>
+          <p:cNvPr id="4" name="Espaço Reservado para Conteúdo 2">
+            <a:extLst>
+              <a:ext uri="{FF2B5EF4-FFF2-40B4-BE49-F238E27FC236}">
+                <a16:creationId xmlns="" xmlns:a16="http://schemas.microsoft.com/office/drawing/2014/main" xmlns:lc="http://schemas.openxmlformats.org/drawingml/2006/lockedCanvas" id="{7A56A12D-B3F9-4804-A12D-4F2A8AE4C3D1}"/>
+              </a:ext>
+            </a:extLst>
+          </p:cNvPr>
+          <p:cNvSpPr>
+            <a:spLocks noGrp="1"/>
+          </p:cNvSpPr>
+          <p:nvPr>
+            <p:ph idx="1"/>
+          </p:nvPr>
+        </p:nvSpPr>
+        <p:spPr>
+          <a:prstGeom prst="rect">
+            <a:avLst/>
+          </a:prstGeom>
+        </p:spPr>
+        <p:txBody>
+          <a:bodyPr vert="horz" lIns="91440" tIns="45720" rIns="91440" bIns="45720" rtlCol="0">
+            <a:normAutofit/>
+          </a:bodyPr>
+          <a:lstStyle>
+            <a:lvl1pPr marL="228600" indent="-228600" algn="l" defTabSz="914400" rtl="0" eaLnBrk="1" latinLnBrk="0" hangingPunct="1">
+              <a:lnSpc>
+                <a:spcPct val="90000"/>
+              </a:lnSpc>
+              <a:spcBef>
+                <a:spcPts val="1000"/>
+              </a:spcBef>
+              <a:buFont typeface="Arial" panose="020B0604020202020204" pitchFamily="34" charset="0"/>
+              <a:buChar char="•"/>
+              <a:defRPr sz="2800" kern="1200">
+                <a:solidFill>
+                  <a:schemeClr val="tx1"/>
+                </a:solidFill>
+                <a:latin typeface="+mn-lt"/>
+                <a:ea typeface="+mn-ea"/>
+                <a:cs typeface="+mn-cs"/>
+              </a:defRPr>
+            </a:lvl1pPr>
+            <a:lvl2pPr marL="685800" indent="-228600" algn="l" defTabSz="914400" rtl="0" eaLnBrk="1" latinLnBrk="0" hangingPunct="1">
+              <a:lnSpc>
+                <a:spcPct val="90000"/>
+              </a:lnSpc>
+              <a:spcBef>
+                <a:spcPts val="500"/>
+              </a:spcBef>
+              <a:buFont typeface="Arial" panose="020B0604020202020204" pitchFamily="34" charset="0"/>
+              <a:buChar char="•"/>
+              <a:defRPr sz="2400" kern="1200">
+                <a:solidFill>
+                  <a:schemeClr val="tx1"/>
+                </a:solidFill>
+                <a:latin typeface="+mn-lt"/>
+                <a:ea typeface="+mn-ea"/>
+                <a:cs typeface="+mn-cs"/>
+              </a:defRPr>
+            </a:lvl2pPr>
+            <a:lvl3pPr marL="1143000" indent="-228600" algn="l" defTabSz="914400" rtl="0" eaLnBrk="1" latinLnBrk="0" hangingPunct="1">
+              <a:lnSpc>
+                <a:spcPct val="90000"/>
+              </a:lnSpc>
+              <a:spcBef>
+                <a:spcPts val="500"/>
+              </a:spcBef>
+              <a:buFont typeface="Arial" panose="020B0604020202020204" pitchFamily="34" charset="0"/>
+              <a:buChar char="•"/>
+              <a:defRPr sz="2000" kern="1200">
+                <a:solidFill>
+                  <a:schemeClr val="tx1"/>
+                </a:solidFill>
+                <a:latin typeface="+mn-lt"/>
+                <a:ea typeface="+mn-ea"/>
+                <a:cs typeface="+mn-cs"/>
+              </a:defRPr>
+            </a:lvl3pPr>
+            <a:lvl4pPr marL="1600200" indent="-228600" algn="l" defTabSz="914400" rtl="0" eaLnBrk="1" latinLnBrk="0" hangingPunct="1">
+              <a:lnSpc>
+                <a:spcPct val="90000"/>
+              </a:lnSpc>
+              <a:spcBef>
+                <a:spcPts val="500"/>
+              </a:spcBef>
+              <a:buFont typeface="Arial" panose="020B0604020202020204" pitchFamily="34" charset="0"/>
+              <a:buChar char="•"/>
+              <a:defRPr sz="1800" kern="1200">
+                <a:solidFill>
+                  <a:schemeClr val="tx1"/>
+                </a:solidFill>
+                <a:latin typeface="+mn-lt"/>
+                <a:ea typeface="+mn-ea"/>
+                <a:cs typeface="+mn-cs"/>
+              </a:defRPr>
+            </a:lvl4pPr>
+            <a:lvl5pPr marL="2057400" indent="-228600" algn="l" defTabSz="914400" rtl="0" eaLnBrk="1" latinLnBrk="0" hangingPunct="1">
+              <a:lnSpc>
+                <a:spcPct val="90000"/>
+              </a:lnSpc>
+              <a:spcBef>
+                <a:spcPts val="500"/>
+              </a:spcBef>
+              <a:buFont typeface="Arial" panose="020B0604020202020204" pitchFamily="34" charset="0"/>
+              <a:buChar char="•"/>
+              <a:defRPr sz="1800" kern="1200">
+                <a:solidFill>
+                  <a:schemeClr val="tx1"/>
+                </a:solidFill>
+                <a:latin typeface="+mn-lt"/>
+                <a:ea typeface="+mn-ea"/>
+                <a:cs typeface="+mn-cs"/>
+              </a:defRPr>
+            </a:lvl5pPr>
+            <a:lvl6pPr marL="2514600" indent="-228600" algn="l" defTabSz="914400" rtl="0" eaLnBrk="1" latinLnBrk="0" hangingPunct="1">
+              <a:lnSpc>
+                <a:spcPct val="90000"/>
+              </a:lnSpc>
+              <a:spcBef>
+                <a:spcPts val="500"/>
+              </a:spcBef>
+              <a:buFont typeface="Arial" panose="020B0604020202020204" pitchFamily="34" charset="0"/>
+              <a:buChar char="•"/>
+              <a:defRPr sz="1800" kern="1200">
+                <a:solidFill>
+                  <a:schemeClr val="tx1"/>
+                </a:solidFill>
+                <a:latin typeface="+mn-lt"/>
+                <a:ea typeface="+mn-ea"/>
+                <a:cs typeface="+mn-cs"/>
+              </a:defRPr>
+            </a:lvl6pPr>
+            <a:lvl7pPr marL="2971800" indent="-228600" algn="l" defTabSz="914400" rtl="0" eaLnBrk="1" latinLnBrk="0" hangingPunct="1">
+              <a:lnSpc>
+                <a:spcPct val="90000"/>
+              </a:lnSpc>
+              <a:spcBef>
+                <a:spcPts val="500"/>
+              </a:spcBef>
+              <a:buFont typeface="Arial" panose="020B0604020202020204" pitchFamily="34" charset="0"/>
+              <a:buChar char="•"/>
+              <a:defRPr sz="1800" kern="1200">
+                <a:solidFill>
+                  <a:schemeClr val="tx1"/>
+                </a:solidFill>
+                <a:latin typeface="+mn-lt"/>
+                <a:ea typeface="+mn-ea"/>
+                <a:cs typeface="+mn-cs"/>
+              </a:defRPr>
+            </a:lvl7pPr>
+            <a:lvl8pPr marL="3429000" indent="-228600" algn="l" defTabSz="914400" rtl="0" eaLnBrk="1" latinLnBrk="0" hangingPunct="1">
+              <a:lnSpc>
+                <a:spcPct val="90000"/>
+              </a:lnSpc>
+              <a:spcBef>
+                <a:spcPts val="500"/>
+              </a:spcBef>
+              <a:buFont typeface="Arial" panose="020B0604020202020204" pitchFamily="34" charset="0"/>
+              <a:buChar char="•"/>
+              <a:defRPr sz="1800" kern="1200">
+                <a:solidFill>
+                  <a:schemeClr val="tx1"/>
+                </a:solidFill>
+                <a:latin typeface="+mn-lt"/>
+                <a:ea typeface="+mn-ea"/>
+                <a:cs typeface="+mn-cs"/>
+              </a:defRPr>
+            </a:lvl8pPr>
+            <a:lvl9pPr marL="3886200" indent="-228600" algn="l" defTabSz="914400" rtl="0" eaLnBrk="1" latinLnBrk="0" hangingPunct="1">
+              <a:lnSpc>
+                <a:spcPct val="90000"/>
+              </a:lnSpc>
+              <a:spcBef>
+                <a:spcPts val="500"/>
+              </a:spcBef>
+              <a:buFont typeface="Arial" panose="020B0604020202020204" pitchFamily="34" charset="0"/>
+              <a:buChar char="•"/>
+              <a:defRPr sz="1800" kern="1200">
+                <a:solidFill>
+                  <a:schemeClr val="tx1"/>
+                </a:solidFill>
+                <a:latin typeface="+mn-lt"/>
+                <a:ea typeface="+mn-ea"/>
+                <a:cs typeface="+mn-cs"/>
+              </a:defRPr>
+            </a:lvl9pPr>
+          </a:lstStyle>
+          <a:p>
+            <a:pPr marL="0" indent="0" algn="just">
+              <a:buNone/>
+            </a:pPr>
+            <a:r>
+              <a:rPr lang="pt-BR" dirty="0"/>
+              <a:t>Uma plataforma colaborativa que permite às pessoas da comunidade da minha cidade oferecer o seu tempo disponível, encontrando outras pessoas ou companhias que precisem deste “tempo” para interesses em comum, em formato de app, acumulando moedas em troca desse tempo doado para que possam trocá-las por serviços em parceiros que apoiam a causa.</a:t>
+            </a:r>
+          </a:p>
+          <a:p>
+            <a:pPr marL="0" indent="0" algn="just">
+              <a:buNone/>
+            </a:pPr>
+            <a:endParaRPr lang="pt-BR" dirty="0"/>
+          </a:p>
+          <a:p>
+            <a:pPr marL="0" indent="0" algn="just">
+              <a:buNone/>
+            </a:pPr>
+            <a:r>
+              <a:rPr lang="pt-BR" dirty="0"/>
+              <a:t>Ex.: tenho 3h disponíveis para dar uma volta com cachorrinhos no guaíba hoje das 16h às 19h.</a:t>
+            </a:r>
+          </a:p>
+        </p:txBody>
+      </p:sp>
+    </p:spTree>
+    <p:extLst>
+      <p:ext uri="{BB962C8B-B14F-4D97-AF65-F5344CB8AC3E}">
+        <p14:creationId xmlns:p14="http://schemas.microsoft.com/office/powerpoint/2010/main" val="3658512310"/>
+      </p:ext>
+    </p:extLst>
+  </p:cSld>
+  <p:clrMapOvr>
+    <a:masterClrMapping/>
+  </p:clrMapOvr>
+  <p:timing>
+    <p:tnLst>
+      <p:par>
+        <p:cTn id="1" dur="indefinite" restart="never" nodeType="tmRoot"/>
+      </p:par>
+    </p:tnLst>
+  </p:timing>
+</p:sld>
+</file>
+
+<file path=ppt/slides/slide3.xml><?xml version="1.0" encoding="utf-8"?>
+<p:sld xmlns:a="http://schemas.openxmlformats.org/drawingml/2006/main" xmlns:r="http://schemas.openxmlformats.org/officeDocument/2006/relationships" xmlns:p="http://schemas.openxmlformats.org/presentationml/2006/main">
+  <p:cSld>
+    <p:spTree>
+      <p:nvGrpSpPr>
+        <p:cNvPr id="1" name=""/>
+        <p:cNvGrpSpPr/>
+        <p:nvPr/>
+      </p:nvGrpSpPr>
+      <p:grpSpPr>
+        <a:xfrm>
+          <a:off x="0" y="0"/>
+          <a:ext cx="0" cy="0"/>
+          <a:chOff x="0" y="0"/>
+          <a:chExt cx="0" cy="0"/>
+        </a:xfrm>
+      </p:grpSpPr>
+      <p:sp>
+        <p:nvSpPr>
+          <p:cNvPr id="6" name="Título 1">
+            <a:extLst>
+              <a:ext uri="{FF2B5EF4-FFF2-40B4-BE49-F238E27FC236}">
+                <a16:creationId xmlns="" xmlns:a16="http://schemas.microsoft.com/office/drawing/2014/main" xmlns:lc="http://schemas.openxmlformats.org/drawingml/2006/lockedCanvas" id="{98E5E2D7-58A8-48ED-AEE8-5E6E285B6177}"/>
+              </a:ext>
+            </a:extLst>
+          </p:cNvPr>
+          <p:cNvSpPr>
+            <a:spLocks noGrp="1"/>
+          </p:cNvSpPr>
+          <p:nvPr>
+            <p:ph type="title"/>
+          </p:nvPr>
+        </p:nvSpPr>
+        <p:spPr>
+          <a:prstGeom prst="rect">
+            <a:avLst/>
+          </a:prstGeom>
+        </p:spPr>
+        <p:txBody>
+          <a:bodyPr vert="horz" lIns="91440" tIns="45720" rIns="91440" bIns="45720" rtlCol="0" anchor="ctr">
+            <a:normAutofit/>
+          </a:bodyPr>
+          <a:lstStyle>
+            <a:lvl1pPr algn="l" defTabSz="914400" rtl="0" eaLnBrk="1" latinLnBrk="0" hangingPunct="1">
+              <a:lnSpc>
+                <a:spcPct val="90000"/>
+              </a:lnSpc>
+              <a:spcBef>
+                <a:spcPct val="0"/>
+              </a:spcBef>
+              <a:buNone/>
+              <a:defRPr sz="4400" kern="1200">
+                <a:solidFill>
+                  <a:schemeClr val="tx1"/>
+                </a:solidFill>
+                <a:latin typeface="+mj-lt"/>
+                <a:ea typeface="+mj-ea"/>
+                <a:cs typeface="+mj-cs"/>
+              </a:defRPr>
+            </a:lvl1pPr>
+          </a:lstStyle>
+          <a:p>
+            <a:r>
+              <a:rPr lang="pt-BR" dirty="0">
+                <a:solidFill>
+                  <a:schemeClr val="accent2"/>
+                </a:solidFill>
+              </a:rPr>
+              <a:t>Diferencial:</a:t>
+            </a:r>
+            <a:br>
+              <a:rPr lang="pt-BR" dirty="0">
+                <a:solidFill>
+                  <a:schemeClr val="accent2"/>
+                </a:solidFill>
+              </a:rPr>
+            </a:br>
+            <a:endParaRPr lang="pt-BR" dirty="0">
+              <a:solidFill>
+                <a:schemeClr val="accent2"/>
+              </a:solidFill>
+            </a:endParaRPr>
+          </a:p>
+        </p:txBody>
+      </p:sp>
+      <p:sp>
+        <p:nvSpPr>
+          <p:cNvPr id="7" name="Espaço Reservado para Conteúdo 2">
+            <a:extLst>
+              <a:ext uri="{FF2B5EF4-FFF2-40B4-BE49-F238E27FC236}">
+                <a16:creationId xmlns="" xmlns:a16="http://schemas.microsoft.com/office/drawing/2014/main" xmlns:lc="http://schemas.openxmlformats.org/drawingml/2006/lockedCanvas" id="{EE4436B2-EBAF-4BAF-AECB-697E96CBEA5E}"/>
+              </a:ext>
+            </a:extLst>
+          </p:cNvPr>
+          <p:cNvSpPr>
+            <a:spLocks noGrp="1"/>
+          </p:cNvSpPr>
+          <p:nvPr>
+            <p:ph idx="1"/>
+          </p:nvPr>
+        </p:nvSpPr>
+        <p:spPr>
+          <a:prstGeom prst="rect">
+            <a:avLst/>
+          </a:prstGeom>
+        </p:spPr>
+        <p:txBody>
+          <a:bodyPr vert="horz" lIns="91440" tIns="45720" rIns="91440" bIns="45720" rtlCol="0">
+            <a:normAutofit/>
+          </a:bodyPr>
+          <a:lstStyle>
+            <a:lvl1pPr marL="228600" indent="-228600" algn="l" defTabSz="914400" rtl="0" eaLnBrk="1" latinLnBrk="0" hangingPunct="1">
+              <a:lnSpc>
+                <a:spcPct val="90000"/>
+              </a:lnSpc>
+              <a:spcBef>
+                <a:spcPts val="1000"/>
+              </a:spcBef>
+              <a:buFont typeface="Arial" panose="020B0604020202020204" pitchFamily="34" charset="0"/>
+              <a:buChar char="•"/>
+              <a:defRPr sz="2800" kern="1200">
+                <a:solidFill>
+                  <a:schemeClr val="tx1"/>
+                </a:solidFill>
+                <a:latin typeface="+mn-lt"/>
+                <a:ea typeface="+mn-ea"/>
+                <a:cs typeface="+mn-cs"/>
+              </a:defRPr>
+            </a:lvl1pPr>
+            <a:lvl2pPr marL="685800" indent="-228600" algn="l" defTabSz="914400" rtl="0" eaLnBrk="1" latinLnBrk="0" hangingPunct="1">
+              <a:lnSpc>
+                <a:spcPct val="90000"/>
+              </a:lnSpc>
+              <a:spcBef>
+                <a:spcPts val="500"/>
+              </a:spcBef>
+              <a:buFont typeface="Arial" panose="020B0604020202020204" pitchFamily="34" charset="0"/>
+              <a:buChar char="•"/>
+              <a:defRPr sz="2400" kern="1200">
+                <a:solidFill>
+                  <a:schemeClr val="tx1"/>
+                </a:solidFill>
+                <a:latin typeface="+mn-lt"/>
+                <a:ea typeface="+mn-ea"/>
+                <a:cs typeface="+mn-cs"/>
+              </a:defRPr>
+            </a:lvl2pPr>
+            <a:lvl3pPr marL="1143000" indent="-228600" algn="l" defTabSz="914400" rtl="0" eaLnBrk="1" latinLnBrk="0" hangingPunct="1">
+              <a:lnSpc>
+                <a:spcPct val="90000"/>
+              </a:lnSpc>
+              <a:spcBef>
+                <a:spcPts val="500"/>
+              </a:spcBef>
+              <a:buFont typeface="Arial" panose="020B0604020202020204" pitchFamily="34" charset="0"/>
+              <a:buChar char="•"/>
+              <a:defRPr sz="2000" kern="1200">
+                <a:solidFill>
+                  <a:schemeClr val="tx1"/>
+                </a:solidFill>
+                <a:latin typeface="+mn-lt"/>
+                <a:ea typeface="+mn-ea"/>
+                <a:cs typeface="+mn-cs"/>
+              </a:defRPr>
+            </a:lvl3pPr>
+            <a:lvl4pPr marL="1600200" indent="-228600" algn="l" defTabSz="914400" rtl="0" eaLnBrk="1" latinLnBrk="0" hangingPunct="1">
+              <a:lnSpc>
+                <a:spcPct val="90000"/>
+              </a:lnSpc>
+              <a:spcBef>
+                <a:spcPts val="500"/>
+              </a:spcBef>
+              <a:buFont typeface="Arial" panose="020B0604020202020204" pitchFamily="34" charset="0"/>
+              <a:buChar char="•"/>
+              <a:defRPr sz="1800" kern="1200">
+                <a:solidFill>
+                  <a:schemeClr val="tx1"/>
+                </a:solidFill>
+                <a:latin typeface="+mn-lt"/>
+                <a:ea typeface="+mn-ea"/>
+                <a:cs typeface="+mn-cs"/>
+              </a:defRPr>
+            </a:lvl4pPr>
+            <a:lvl5pPr marL="2057400" indent="-228600" algn="l" defTabSz="914400" rtl="0" eaLnBrk="1" latinLnBrk="0" hangingPunct="1">
+              <a:lnSpc>
+                <a:spcPct val="90000"/>
+              </a:lnSpc>
+              <a:spcBef>
+                <a:spcPts val="500"/>
+              </a:spcBef>
+              <a:buFont typeface="Arial" panose="020B0604020202020204" pitchFamily="34" charset="0"/>
+              <a:buChar char="•"/>
+              <a:defRPr sz="1800" kern="1200">
+                <a:solidFill>
+                  <a:schemeClr val="tx1"/>
+                </a:solidFill>
+                <a:latin typeface="+mn-lt"/>
+                <a:ea typeface="+mn-ea"/>
+                <a:cs typeface="+mn-cs"/>
+              </a:defRPr>
+            </a:lvl5pPr>
+            <a:lvl6pPr marL="2514600" indent="-228600" algn="l" defTabSz="914400" rtl="0" eaLnBrk="1" latinLnBrk="0" hangingPunct="1">
+              <a:lnSpc>
+                <a:spcPct val="90000"/>
+              </a:lnSpc>
+              <a:spcBef>
+                <a:spcPts val="500"/>
+              </a:spcBef>
+              <a:buFont typeface="Arial" panose="020B0604020202020204" pitchFamily="34" charset="0"/>
+              <a:buChar char="•"/>
+              <a:defRPr sz="1800" kern="1200">
+                <a:solidFill>
+                  <a:schemeClr val="tx1"/>
+                </a:solidFill>
+                <a:latin typeface="+mn-lt"/>
+                <a:ea typeface="+mn-ea"/>
+                <a:cs typeface="+mn-cs"/>
+              </a:defRPr>
+            </a:lvl6pPr>
+            <a:lvl7pPr marL="2971800" indent="-228600" algn="l" defTabSz="914400" rtl="0" eaLnBrk="1" latinLnBrk="0" hangingPunct="1">
+              <a:lnSpc>
+                <a:spcPct val="90000"/>
+              </a:lnSpc>
+              <a:spcBef>
+                <a:spcPts val="500"/>
+              </a:spcBef>
+              <a:buFont typeface="Arial" panose="020B0604020202020204" pitchFamily="34" charset="0"/>
+              <a:buChar char="•"/>
+              <a:defRPr sz="1800" kern="1200">
+                <a:solidFill>
+                  <a:schemeClr val="tx1"/>
+                </a:solidFill>
+                <a:latin typeface="+mn-lt"/>
+                <a:ea typeface="+mn-ea"/>
+                <a:cs typeface="+mn-cs"/>
+              </a:defRPr>
+            </a:lvl7pPr>
+            <a:lvl8pPr marL="3429000" indent="-228600" algn="l" defTabSz="914400" rtl="0" eaLnBrk="1" latinLnBrk="0" hangingPunct="1">
+              <a:lnSpc>
+                <a:spcPct val="90000"/>
+              </a:lnSpc>
+              <a:spcBef>
+                <a:spcPts val="500"/>
+              </a:spcBef>
+              <a:buFont typeface="Arial" panose="020B0604020202020204" pitchFamily="34" charset="0"/>
+              <a:buChar char="•"/>
+              <a:defRPr sz="1800" kern="1200">
+                <a:solidFill>
+                  <a:schemeClr val="tx1"/>
+                </a:solidFill>
+                <a:latin typeface="+mn-lt"/>
+                <a:ea typeface="+mn-ea"/>
+                <a:cs typeface="+mn-cs"/>
+              </a:defRPr>
+            </a:lvl8pPr>
+            <a:lvl9pPr marL="3886200" indent="-228600" algn="l" defTabSz="914400" rtl="0" eaLnBrk="1" latinLnBrk="0" hangingPunct="1">
+              <a:lnSpc>
+                <a:spcPct val="90000"/>
+              </a:lnSpc>
+              <a:spcBef>
+                <a:spcPts val="500"/>
+              </a:spcBef>
+              <a:buFont typeface="Arial" panose="020B0604020202020204" pitchFamily="34" charset="0"/>
+              <a:buChar char="•"/>
+              <a:defRPr sz="1800" kern="1200">
+                <a:solidFill>
+                  <a:schemeClr val="tx1"/>
+                </a:solidFill>
+                <a:latin typeface="+mn-lt"/>
+                <a:ea typeface="+mn-ea"/>
+                <a:cs typeface="+mn-cs"/>
+              </a:defRPr>
+            </a:lvl9pPr>
+          </a:lstStyle>
+          <a:p>
+            <a:pPr marL="171450" indent="-171450">
+              <a:buFontTx/>
+              <a:buChar char="-"/>
+            </a:pPr>
+            <a:r>
+              <a:rPr lang="pt-BR" dirty="0"/>
+              <a:t>Horários flexíveis</a:t>
+            </a:r>
+          </a:p>
+          <a:p>
+            <a:pPr marL="171450" indent="-171450">
+              <a:buFontTx/>
+              <a:buChar char="-"/>
+            </a:pPr>
+            <a:r>
+              <a:rPr lang="pt-BR" dirty="0"/>
+              <a:t>Acesso livre</a:t>
+            </a:r>
+          </a:p>
+          <a:p>
+            <a:pPr marL="171450" indent="-171450">
+              <a:buFontTx/>
+              <a:buChar char="-"/>
+            </a:pPr>
+            <a:r>
+              <a:rPr lang="pt-BR" dirty="0"/>
+              <a:t>Real time</a:t>
+            </a:r>
+          </a:p>
+          <a:p>
+            <a:pPr marL="171450" indent="-171450">
+              <a:buFontTx/>
+              <a:buChar char="-"/>
+            </a:pPr>
+            <a:r>
+              <a:rPr lang="pt-BR" dirty="0"/>
+              <a:t>Filtros de interesses por meio de um mapa solidário (filtro geográfico)</a:t>
+            </a:r>
+          </a:p>
+          <a:p>
+            <a:pPr marL="171450" indent="-171450">
+              <a:buFontTx/>
+              <a:buChar char="-"/>
+            </a:pPr>
+            <a:r>
+              <a:rPr lang="pt-BR" dirty="0"/>
+              <a:t>Moeda solidária. </a:t>
+            </a:r>
+          </a:p>
+          <a:p>
+            <a:pPr marL="0" indent="0">
+              <a:buNone/>
+            </a:pPr>
+            <a:endParaRPr lang="pt-BR" dirty="0"/>
+          </a:p>
+        </p:txBody>
+      </p:sp>
+    </p:spTree>
+    <p:extLst>
+      <p:ext uri="{BB962C8B-B14F-4D97-AF65-F5344CB8AC3E}">
+        <p14:creationId xmlns:p14="http://schemas.microsoft.com/office/powerpoint/2010/main" val="3015481866"/>
+      </p:ext>
+    </p:extLst>
+  </p:cSld>
+  <p:clrMapOvr>
+    <a:masterClrMapping/>
+  </p:clrMapOvr>
+  <p:timing>
+    <p:tnLst>
+      <p:par>
+        <p:cTn id="1" dur="indefinite" restart="never" nodeType="tmRoot"/>
+      </p:par>
+    </p:tnLst>
+  </p:timing>
+</p:sld>
+</file>
+
+<file path=ppt/slides/slide4.xml><?xml version="1.0" encoding="utf-8"?>
+<p:sld xmlns:a="http://schemas.openxmlformats.org/drawingml/2006/main" xmlns:r="http://schemas.openxmlformats.org/officeDocument/2006/relationships" xmlns:p="http://schemas.openxmlformats.org/presentationml/2006/main">
+  <p:cSld>
+    <p:spTree>
+      <p:nvGrpSpPr>
+        <p:cNvPr id="1" name=""/>
+        <p:cNvGrpSpPr/>
+        <p:nvPr/>
+      </p:nvGrpSpPr>
+      <p:grpSpPr>
+        <a:xfrm>
+          <a:off x="0" y="0"/>
+          <a:ext cx="0" cy="0"/>
+          <a:chOff x="0" y="0"/>
+          <a:chExt cx="0" cy="0"/>
+        </a:xfrm>
+      </p:grpSpPr>
+      <p:sp>
+        <p:nvSpPr>
+          <p:cNvPr id="4" name="Título 1">
+            <a:extLst>
+              <a:ext uri="{FF2B5EF4-FFF2-40B4-BE49-F238E27FC236}">
+                <a16:creationId xmlns="" xmlns:a16="http://schemas.microsoft.com/office/drawing/2014/main" xmlns:lc="http://schemas.openxmlformats.org/drawingml/2006/lockedCanvas" id="{F2798ED8-6DFF-4F0D-9121-8131C0970434}"/>
+              </a:ext>
+            </a:extLst>
+          </p:cNvPr>
+          <p:cNvSpPr>
+            <a:spLocks noGrp="1"/>
+          </p:cNvSpPr>
+          <p:nvPr>
+            <p:ph type="title"/>
+          </p:nvPr>
+        </p:nvSpPr>
+        <p:spPr>
+          <a:prstGeom prst="rect">
+            <a:avLst/>
+          </a:prstGeom>
+        </p:spPr>
+        <p:txBody>
+          <a:bodyPr vert="horz" lIns="91440" tIns="45720" rIns="91440" bIns="45720" rtlCol="0" anchor="ctr">
+            <a:normAutofit/>
+          </a:bodyPr>
+          <a:lstStyle>
+            <a:lvl1pPr algn="l" defTabSz="914400" rtl="0" eaLnBrk="1" latinLnBrk="0" hangingPunct="1">
+              <a:lnSpc>
+                <a:spcPct val="90000"/>
+              </a:lnSpc>
+              <a:spcBef>
+                <a:spcPct val="0"/>
+              </a:spcBef>
+              <a:buNone/>
+              <a:defRPr sz="4400" kern="1200">
+                <a:solidFill>
+                  <a:schemeClr val="tx1"/>
+                </a:solidFill>
+                <a:latin typeface="+mj-lt"/>
+                <a:ea typeface="+mj-ea"/>
+                <a:cs typeface="+mj-cs"/>
+              </a:defRPr>
+            </a:lvl1pPr>
+          </a:lstStyle>
+          <a:p>
+            <a:r>
+              <a:rPr lang="pt-BR" dirty="0">
+                <a:solidFill>
+                  <a:schemeClr val="accent2"/>
+                </a:solidFill>
+              </a:rPr>
+              <a:t>Público Alvo</a:t>
+            </a:r>
+          </a:p>
+        </p:txBody>
+      </p:sp>
+      <p:sp>
+        <p:nvSpPr>
+          <p:cNvPr id="5" name="Espaço Reservado para Conteúdo 2">
+            <a:extLst>
+              <a:ext uri="{FF2B5EF4-FFF2-40B4-BE49-F238E27FC236}">
+                <a16:creationId xmlns="" xmlns:a16="http://schemas.microsoft.com/office/drawing/2014/main" xmlns:lc="http://schemas.openxmlformats.org/drawingml/2006/lockedCanvas" id="{7A56A12D-B3F9-4804-A12D-4F2A8AE4C3D1}"/>
+              </a:ext>
+            </a:extLst>
+          </p:cNvPr>
+          <p:cNvSpPr>
+            <a:spLocks noGrp="1"/>
+          </p:cNvSpPr>
+          <p:nvPr>
+            <p:ph idx="1"/>
+          </p:nvPr>
+        </p:nvSpPr>
+        <p:spPr>
+          <a:prstGeom prst="rect">
+            <a:avLst/>
+          </a:prstGeom>
+        </p:spPr>
+        <p:txBody>
+          <a:bodyPr vert="horz" lIns="91440" tIns="45720" rIns="91440" bIns="45720" rtlCol="0">
+            <a:normAutofit lnSpcReduction="10000"/>
+          </a:bodyPr>
+          <a:lstStyle>
+            <a:lvl1pPr marL="228600" indent="-228600" algn="l" defTabSz="914400" rtl="0" eaLnBrk="1" latinLnBrk="0" hangingPunct="1">
+              <a:lnSpc>
+                <a:spcPct val="90000"/>
+              </a:lnSpc>
+              <a:spcBef>
+                <a:spcPts val="1000"/>
+              </a:spcBef>
+              <a:buFont typeface="Arial" panose="020B0604020202020204" pitchFamily="34" charset="0"/>
+              <a:buChar char="•"/>
+              <a:defRPr sz="2800" kern="1200">
+                <a:solidFill>
+                  <a:schemeClr val="tx1"/>
+                </a:solidFill>
+                <a:latin typeface="+mn-lt"/>
+                <a:ea typeface="+mn-ea"/>
+                <a:cs typeface="+mn-cs"/>
+              </a:defRPr>
+            </a:lvl1pPr>
+            <a:lvl2pPr marL="685800" indent="-228600" algn="l" defTabSz="914400" rtl="0" eaLnBrk="1" latinLnBrk="0" hangingPunct="1">
+              <a:lnSpc>
+                <a:spcPct val="90000"/>
+              </a:lnSpc>
+              <a:spcBef>
+                <a:spcPts val="500"/>
+              </a:spcBef>
+              <a:buFont typeface="Arial" panose="020B0604020202020204" pitchFamily="34" charset="0"/>
+              <a:buChar char="•"/>
+              <a:defRPr sz="2400" kern="1200">
+                <a:solidFill>
+                  <a:schemeClr val="tx1"/>
+                </a:solidFill>
+                <a:latin typeface="+mn-lt"/>
+                <a:ea typeface="+mn-ea"/>
+                <a:cs typeface="+mn-cs"/>
+              </a:defRPr>
+            </a:lvl2pPr>
+            <a:lvl3pPr marL="1143000" indent="-228600" algn="l" defTabSz="914400" rtl="0" eaLnBrk="1" latinLnBrk="0" hangingPunct="1">
+              <a:lnSpc>
+                <a:spcPct val="90000"/>
+              </a:lnSpc>
+              <a:spcBef>
+                <a:spcPts val="500"/>
+              </a:spcBef>
+              <a:buFont typeface="Arial" panose="020B0604020202020204" pitchFamily="34" charset="0"/>
+              <a:buChar char="•"/>
+              <a:defRPr sz="2000" kern="1200">
+                <a:solidFill>
+                  <a:schemeClr val="tx1"/>
+                </a:solidFill>
+                <a:latin typeface="+mn-lt"/>
+                <a:ea typeface="+mn-ea"/>
+                <a:cs typeface="+mn-cs"/>
+              </a:defRPr>
+            </a:lvl3pPr>
+            <a:lvl4pPr marL="1600200" indent="-228600" algn="l" defTabSz="914400" rtl="0" eaLnBrk="1" latinLnBrk="0" hangingPunct="1">
+              <a:lnSpc>
+                <a:spcPct val="90000"/>
+              </a:lnSpc>
+              <a:spcBef>
+                <a:spcPts val="500"/>
+              </a:spcBef>
+              <a:buFont typeface="Arial" panose="020B0604020202020204" pitchFamily="34" charset="0"/>
+              <a:buChar char="•"/>
+              <a:defRPr sz="1800" kern="1200">
+                <a:solidFill>
+                  <a:schemeClr val="tx1"/>
+                </a:solidFill>
+                <a:latin typeface="+mn-lt"/>
+                <a:ea typeface="+mn-ea"/>
+                <a:cs typeface="+mn-cs"/>
+              </a:defRPr>
+            </a:lvl4pPr>
+            <a:lvl5pPr marL="2057400" indent="-228600" algn="l" defTabSz="914400" rtl="0" eaLnBrk="1" latinLnBrk="0" hangingPunct="1">
+              <a:lnSpc>
+                <a:spcPct val="90000"/>
+              </a:lnSpc>
+              <a:spcBef>
+                <a:spcPts val="500"/>
+              </a:spcBef>
+              <a:buFont typeface="Arial" panose="020B0604020202020204" pitchFamily="34" charset="0"/>
+              <a:buChar char="•"/>
+              <a:defRPr sz="1800" kern="1200">
+                <a:solidFill>
+                  <a:schemeClr val="tx1"/>
+                </a:solidFill>
+                <a:latin typeface="+mn-lt"/>
+                <a:ea typeface="+mn-ea"/>
+                <a:cs typeface="+mn-cs"/>
+              </a:defRPr>
+            </a:lvl5pPr>
+            <a:lvl6pPr marL="2514600" indent="-228600" algn="l" defTabSz="914400" rtl="0" eaLnBrk="1" latinLnBrk="0" hangingPunct="1">
+              <a:lnSpc>
+                <a:spcPct val="90000"/>
+              </a:lnSpc>
+              <a:spcBef>
+                <a:spcPts val="500"/>
+              </a:spcBef>
+              <a:buFont typeface="Arial" panose="020B0604020202020204" pitchFamily="34" charset="0"/>
+              <a:buChar char="•"/>
+              <a:defRPr sz="1800" kern="1200">
+                <a:solidFill>
+                  <a:schemeClr val="tx1"/>
+                </a:solidFill>
+                <a:latin typeface="+mn-lt"/>
+                <a:ea typeface="+mn-ea"/>
+                <a:cs typeface="+mn-cs"/>
+              </a:defRPr>
+            </a:lvl6pPr>
+            <a:lvl7pPr marL="2971800" indent="-228600" algn="l" defTabSz="914400" rtl="0" eaLnBrk="1" latinLnBrk="0" hangingPunct="1">
+              <a:lnSpc>
+                <a:spcPct val="90000"/>
+              </a:lnSpc>
+              <a:spcBef>
+                <a:spcPts val="500"/>
+              </a:spcBef>
+              <a:buFont typeface="Arial" panose="020B0604020202020204" pitchFamily="34" charset="0"/>
+              <a:buChar char="•"/>
+              <a:defRPr sz="1800" kern="1200">
+                <a:solidFill>
+                  <a:schemeClr val="tx1"/>
+                </a:solidFill>
+                <a:latin typeface="+mn-lt"/>
+                <a:ea typeface="+mn-ea"/>
+                <a:cs typeface="+mn-cs"/>
+              </a:defRPr>
+            </a:lvl7pPr>
+            <a:lvl8pPr marL="3429000" indent="-228600" algn="l" defTabSz="914400" rtl="0" eaLnBrk="1" latinLnBrk="0" hangingPunct="1">
+              <a:lnSpc>
+                <a:spcPct val="90000"/>
+              </a:lnSpc>
+              <a:spcBef>
+                <a:spcPts val="500"/>
+              </a:spcBef>
+              <a:buFont typeface="Arial" panose="020B0604020202020204" pitchFamily="34" charset="0"/>
+              <a:buChar char="•"/>
+              <a:defRPr sz="1800" kern="1200">
+                <a:solidFill>
+                  <a:schemeClr val="tx1"/>
+                </a:solidFill>
+                <a:latin typeface="+mn-lt"/>
+                <a:ea typeface="+mn-ea"/>
+                <a:cs typeface="+mn-cs"/>
+              </a:defRPr>
+            </a:lvl8pPr>
+            <a:lvl9pPr marL="3886200" indent="-228600" algn="l" defTabSz="914400" rtl="0" eaLnBrk="1" latinLnBrk="0" hangingPunct="1">
+              <a:lnSpc>
+                <a:spcPct val="90000"/>
+              </a:lnSpc>
+              <a:spcBef>
+                <a:spcPts val="500"/>
+              </a:spcBef>
+              <a:buFont typeface="Arial" panose="020B0604020202020204" pitchFamily="34" charset="0"/>
+              <a:buChar char="•"/>
+              <a:defRPr sz="1800" kern="1200">
+                <a:solidFill>
+                  <a:schemeClr val="tx1"/>
+                </a:solidFill>
+                <a:latin typeface="+mn-lt"/>
+                <a:ea typeface="+mn-ea"/>
+                <a:cs typeface="+mn-cs"/>
+              </a:defRPr>
+            </a:lvl9pPr>
+          </a:lstStyle>
+          <a:p>
+            <a:pPr>
+              <a:buFontTx/>
+              <a:buChar char="-"/>
+            </a:pPr>
+            <a:r>
+              <a:rPr lang="pt-BR" dirty="0"/>
+              <a:t>Pessoas que disponham de pouco tempo, mas que queiram contribuir com algo com viés social/profissional;</a:t>
+            </a:r>
+          </a:p>
+          <a:p>
+            <a:pPr>
+              <a:buFontTx/>
+              <a:buChar char="-"/>
+            </a:pPr>
+            <a:r>
+              <a:rPr lang="pt-BR" dirty="0"/>
+              <a:t>Moradores de Porto Alegre;</a:t>
+            </a:r>
+          </a:p>
+          <a:p>
+            <a:pPr>
+              <a:buFontTx/>
+              <a:buChar char="-"/>
+            </a:pPr>
+            <a:r>
+              <a:rPr lang="pt-BR" dirty="0"/>
+              <a:t>Diferentes Idades;</a:t>
+            </a:r>
+          </a:p>
+          <a:p>
+            <a:pPr>
+              <a:buFontTx/>
+              <a:buChar char="-"/>
+            </a:pPr>
+            <a:r>
+              <a:rPr lang="pt-BR" dirty="0"/>
+              <a:t>Altruístas;</a:t>
+            </a:r>
+          </a:p>
+          <a:p>
+            <a:pPr>
+              <a:buFontTx/>
+              <a:buChar char="-"/>
+            </a:pPr>
+            <a:r>
+              <a:rPr lang="pt-BR" dirty="0"/>
+              <a:t>Ativistas;</a:t>
+            </a:r>
+          </a:p>
+          <a:p>
+            <a:pPr>
+              <a:buFontTx/>
+              <a:buChar char="-"/>
+            </a:pPr>
+            <a:r>
+              <a:rPr lang="pt-BR" dirty="0"/>
+              <a:t>Solidárias;</a:t>
+            </a:r>
+          </a:p>
+          <a:p>
+            <a:pPr>
+              <a:buFontTx/>
+              <a:buChar char="-"/>
+            </a:pPr>
+            <a:r>
+              <a:rPr lang="pt-BR" dirty="0"/>
+              <a:t>Empresas com projetos sociais que queiram melhor a imagem da marca.</a:t>
+            </a:r>
+          </a:p>
+        </p:txBody>
+      </p:sp>
+    </p:spTree>
+    <p:extLst>
+      <p:ext uri="{BB962C8B-B14F-4D97-AF65-F5344CB8AC3E}">
+        <p14:creationId xmlns:p14="http://schemas.microsoft.com/office/powerpoint/2010/main" val="3577225779"/>
+      </p:ext>
+    </p:extLst>
+  </p:cSld>
+  <p:clrMapOvr>
+    <a:masterClrMapping/>
+  </p:clrMapOvr>
+  <p:timing>
+    <p:tnLst>
+      <p:par>
+        <p:cTn id="1" dur="indefinite" restart="never" nodeType="tmRoot"/>
+      </p:par>
+    </p:tnLst>
+  </p:timing>
+</p:sld>
+</file>
+
+<file path=ppt/slides/slide5.xml><?xml version="1.0" encoding="utf-8"?>
+<p:sld xmlns:a="http://schemas.openxmlformats.org/drawingml/2006/main" xmlns:r="http://schemas.openxmlformats.org/officeDocument/2006/relationships" xmlns:p="http://schemas.openxmlformats.org/presentationml/2006/main">
+  <p:cSld>
+    <p:spTree>
+      <p:nvGrpSpPr>
+        <p:cNvPr id="1" name=""/>
+        <p:cNvGrpSpPr/>
+        <p:nvPr/>
+      </p:nvGrpSpPr>
+      <p:grpSpPr>
+        <a:xfrm>
+          <a:off x="0" y="0"/>
+          <a:ext cx="0" cy="0"/>
+          <a:chOff x="0" y="0"/>
+          <a:chExt cx="0" cy="0"/>
+        </a:xfrm>
+      </p:grpSpPr>
+      <p:sp>
+        <p:nvSpPr>
+          <p:cNvPr id="4" name="Título 1">
+            <a:extLst>
+              <a:ext uri="{FF2B5EF4-FFF2-40B4-BE49-F238E27FC236}">
+                <a16:creationId xmlns="" xmlns:a16="http://schemas.microsoft.com/office/drawing/2014/main" xmlns:lc="http://schemas.openxmlformats.org/drawingml/2006/lockedCanvas" id="{F2798ED8-6DFF-4F0D-9121-8131C0970434}"/>
+              </a:ext>
+            </a:extLst>
+          </p:cNvPr>
+          <p:cNvSpPr>
+            <a:spLocks noGrp="1"/>
+          </p:cNvSpPr>
+          <p:nvPr>
+            <p:ph type="title"/>
+          </p:nvPr>
+        </p:nvSpPr>
+        <p:spPr>
+          <a:prstGeom prst="rect">
+            <a:avLst/>
+          </a:prstGeom>
+        </p:spPr>
+        <p:txBody>
+          <a:bodyPr vert="horz" lIns="91440" tIns="45720" rIns="91440" bIns="45720" rtlCol="0" anchor="ctr">
+            <a:normAutofit/>
+          </a:bodyPr>
+          <a:lstStyle>
+            <a:lvl1pPr algn="l" defTabSz="914400" rtl="0" eaLnBrk="1" latinLnBrk="0" hangingPunct="1">
+              <a:lnSpc>
+                <a:spcPct val="90000"/>
+              </a:lnSpc>
+              <a:spcBef>
+                <a:spcPct val="0"/>
+              </a:spcBef>
+              <a:buNone/>
+              <a:defRPr sz="4400" kern="1200">
+                <a:solidFill>
+                  <a:schemeClr val="tx1"/>
+                </a:solidFill>
+                <a:latin typeface="+mj-lt"/>
+                <a:ea typeface="+mj-ea"/>
+                <a:cs typeface="+mj-cs"/>
+              </a:defRPr>
+            </a:lvl1pPr>
+          </a:lstStyle>
+          <a:p>
+            <a:r>
+              <a:rPr lang="pt-BR" dirty="0">
+                <a:solidFill>
+                  <a:schemeClr val="accent2"/>
+                </a:solidFill>
+              </a:rPr>
+              <a:t>Benefícios</a:t>
+            </a:r>
+            <a:r>
+              <a:rPr lang="pt-BR" dirty="0"/>
+              <a:t> </a:t>
+            </a:r>
+          </a:p>
+        </p:txBody>
+      </p:sp>
+      <p:sp>
+        <p:nvSpPr>
+          <p:cNvPr id="5" name="Espaço Reservado para Conteúdo 2">
+            <a:extLst>
+              <a:ext uri="{FF2B5EF4-FFF2-40B4-BE49-F238E27FC236}">
+                <a16:creationId xmlns="" xmlns:a16="http://schemas.microsoft.com/office/drawing/2014/main" xmlns:lc="http://schemas.openxmlformats.org/drawingml/2006/lockedCanvas" id="{7A56A12D-B3F9-4804-A12D-4F2A8AE4C3D1}"/>
+              </a:ext>
+            </a:extLst>
+          </p:cNvPr>
+          <p:cNvSpPr>
+            <a:spLocks noGrp="1"/>
+          </p:cNvSpPr>
+          <p:nvPr>
+            <p:ph idx="1"/>
+          </p:nvPr>
+        </p:nvSpPr>
+        <p:spPr>
+          <a:prstGeom prst="rect">
+            <a:avLst/>
+          </a:prstGeom>
+        </p:spPr>
+        <p:txBody>
+          <a:bodyPr vert="horz" lIns="91440" tIns="45720" rIns="91440" bIns="45720" rtlCol="0">
+            <a:normAutofit fontScale="92500" lnSpcReduction="10000"/>
+          </a:bodyPr>
+          <a:lstStyle>
+            <a:lvl1pPr marL="228600" indent="-228600" algn="l" defTabSz="914400" rtl="0" eaLnBrk="1" latinLnBrk="0" hangingPunct="1">
+              <a:lnSpc>
+                <a:spcPct val="90000"/>
+              </a:lnSpc>
+              <a:spcBef>
+                <a:spcPts val="1000"/>
+              </a:spcBef>
+              <a:buFont typeface="Arial" panose="020B0604020202020204" pitchFamily="34" charset="0"/>
+              <a:buChar char="•"/>
+              <a:defRPr sz="2800" kern="1200">
+                <a:solidFill>
+                  <a:schemeClr val="tx1"/>
+                </a:solidFill>
+                <a:latin typeface="+mn-lt"/>
+                <a:ea typeface="+mn-ea"/>
+                <a:cs typeface="+mn-cs"/>
+              </a:defRPr>
+            </a:lvl1pPr>
+            <a:lvl2pPr marL="685800" indent="-228600" algn="l" defTabSz="914400" rtl="0" eaLnBrk="1" latinLnBrk="0" hangingPunct="1">
+              <a:lnSpc>
+                <a:spcPct val="90000"/>
+              </a:lnSpc>
+              <a:spcBef>
+                <a:spcPts val="500"/>
+              </a:spcBef>
+              <a:buFont typeface="Arial" panose="020B0604020202020204" pitchFamily="34" charset="0"/>
+              <a:buChar char="•"/>
+              <a:defRPr sz="2400" kern="1200">
+                <a:solidFill>
+                  <a:schemeClr val="tx1"/>
+                </a:solidFill>
+                <a:latin typeface="+mn-lt"/>
+                <a:ea typeface="+mn-ea"/>
+                <a:cs typeface="+mn-cs"/>
+              </a:defRPr>
+            </a:lvl2pPr>
+            <a:lvl3pPr marL="1143000" indent="-228600" algn="l" defTabSz="914400" rtl="0" eaLnBrk="1" latinLnBrk="0" hangingPunct="1">
+              <a:lnSpc>
+                <a:spcPct val="90000"/>
+              </a:lnSpc>
+              <a:spcBef>
+                <a:spcPts val="500"/>
+              </a:spcBef>
+              <a:buFont typeface="Arial" panose="020B0604020202020204" pitchFamily="34" charset="0"/>
+              <a:buChar char="•"/>
+              <a:defRPr sz="2000" kern="1200">
+                <a:solidFill>
+                  <a:schemeClr val="tx1"/>
+                </a:solidFill>
+                <a:latin typeface="+mn-lt"/>
+                <a:ea typeface="+mn-ea"/>
+                <a:cs typeface="+mn-cs"/>
+              </a:defRPr>
+            </a:lvl3pPr>
+            <a:lvl4pPr marL="1600200" indent="-228600" algn="l" defTabSz="914400" rtl="0" eaLnBrk="1" latinLnBrk="0" hangingPunct="1">
+              <a:lnSpc>
+                <a:spcPct val="90000"/>
+              </a:lnSpc>
+              <a:spcBef>
+                <a:spcPts val="500"/>
+              </a:spcBef>
+              <a:buFont typeface="Arial" panose="020B0604020202020204" pitchFamily="34" charset="0"/>
+              <a:buChar char="•"/>
+              <a:defRPr sz="1800" kern="1200">
+                <a:solidFill>
+                  <a:schemeClr val="tx1"/>
+                </a:solidFill>
+                <a:latin typeface="+mn-lt"/>
+                <a:ea typeface="+mn-ea"/>
+                <a:cs typeface="+mn-cs"/>
+              </a:defRPr>
+            </a:lvl4pPr>
+            <a:lvl5pPr marL="2057400" indent="-228600" algn="l" defTabSz="914400" rtl="0" eaLnBrk="1" latinLnBrk="0" hangingPunct="1">
+              <a:lnSpc>
+                <a:spcPct val="90000"/>
+              </a:lnSpc>
+              <a:spcBef>
+                <a:spcPts val="500"/>
+              </a:spcBef>
+              <a:buFont typeface="Arial" panose="020B0604020202020204" pitchFamily="34" charset="0"/>
+              <a:buChar char="•"/>
+              <a:defRPr sz="1800" kern="1200">
+                <a:solidFill>
+                  <a:schemeClr val="tx1"/>
+                </a:solidFill>
+                <a:latin typeface="+mn-lt"/>
+                <a:ea typeface="+mn-ea"/>
+                <a:cs typeface="+mn-cs"/>
+              </a:defRPr>
+            </a:lvl5pPr>
+            <a:lvl6pPr marL="2514600" indent="-228600" algn="l" defTabSz="914400" rtl="0" eaLnBrk="1" latinLnBrk="0" hangingPunct="1">
+              <a:lnSpc>
+                <a:spcPct val="90000"/>
+              </a:lnSpc>
+              <a:spcBef>
+                <a:spcPts val="500"/>
+              </a:spcBef>
+              <a:buFont typeface="Arial" panose="020B0604020202020204" pitchFamily="34" charset="0"/>
+              <a:buChar char="•"/>
+              <a:defRPr sz="1800" kern="1200">
+                <a:solidFill>
+                  <a:schemeClr val="tx1"/>
+                </a:solidFill>
+                <a:latin typeface="+mn-lt"/>
+                <a:ea typeface="+mn-ea"/>
+                <a:cs typeface="+mn-cs"/>
+              </a:defRPr>
+            </a:lvl6pPr>
+            <a:lvl7pPr marL="2971800" indent="-228600" algn="l" defTabSz="914400" rtl="0" eaLnBrk="1" latinLnBrk="0" hangingPunct="1">
+              <a:lnSpc>
+                <a:spcPct val="90000"/>
+              </a:lnSpc>
+              <a:spcBef>
+                <a:spcPts val="500"/>
+              </a:spcBef>
+              <a:buFont typeface="Arial" panose="020B0604020202020204" pitchFamily="34" charset="0"/>
+              <a:buChar char="•"/>
+              <a:defRPr sz="1800" kern="1200">
+                <a:solidFill>
+                  <a:schemeClr val="tx1"/>
+                </a:solidFill>
+                <a:latin typeface="+mn-lt"/>
+                <a:ea typeface="+mn-ea"/>
+                <a:cs typeface="+mn-cs"/>
+              </a:defRPr>
+            </a:lvl7pPr>
+            <a:lvl8pPr marL="3429000" indent="-228600" algn="l" defTabSz="914400" rtl="0" eaLnBrk="1" latinLnBrk="0" hangingPunct="1">
+              <a:lnSpc>
+                <a:spcPct val="90000"/>
+              </a:lnSpc>
+              <a:spcBef>
+                <a:spcPts val="500"/>
+              </a:spcBef>
+              <a:buFont typeface="Arial" panose="020B0604020202020204" pitchFamily="34" charset="0"/>
+              <a:buChar char="•"/>
+              <a:defRPr sz="1800" kern="1200">
+                <a:solidFill>
+                  <a:schemeClr val="tx1"/>
+                </a:solidFill>
+                <a:latin typeface="+mn-lt"/>
+                <a:ea typeface="+mn-ea"/>
+                <a:cs typeface="+mn-cs"/>
+              </a:defRPr>
+            </a:lvl8pPr>
+            <a:lvl9pPr marL="3886200" indent="-228600" algn="l" defTabSz="914400" rtl="0" eaLnBrk="1" latinLnBrk="0" hangingPunct="1">
+              <a:lnSpc>
+                <a:spcPct val="90000"/>
+              </a:lnSpc>
+              <a:spcBef>
+                <a:spcPts val="500"/>
+              </a:spcBef>
+              <a:buFont typeface="Arial" panose="020B0604020202020204" pitchFamily="34" charset="0"/>
+              <a:buChar char="•"/>
+              <a:defRPr sz="1800" kern="1200">
+                <a:solidFill>
+                  <a:schemeClr val="tx1"/>
+                </a:solidFill>
+                <a:latin typeface="+mn-lt"/>
+                <a:ea typeface="+mn-ea"/>
+                <a:cs typeface="+mn-cs"/>
+              </a:defRPr>
+            </a:lvl9pPr>
+          </a:lstStyle>
+          <a:p>
+            <a:pPr marL="0" indent="0" algn="just">
+              <a:buNone/>
+            </a:pPr>
+            <a:r>
+              <a:rPr lang="pt-BR" dirty="0"/>
+              <a:t>Poder ajudar as pessoas através do meu tempo a resolver problemas delas e também ser ajudada quando necessito, acumulando moedas de acordo com as atividades que me envolvi para poder trocá-las por serviços de empresas parceiras apoiadoras da plataforma e que oferecem também atividades na mesma.</a:t>
+            </a:r>
+          </a:p>
+          <a:p>
+            <a:pPr marL="0" indent="0" algn="just">
+              <a:buNone/>
+            </a:pPr>
+            <a:endParaRPr lang="pt-BR" dirty="0"/>
+          </a:p>
+          <a:p>
+            <a:pPr marL="0" indent="0" algn="just">
+              <a:buNone/>
+            </a:pPr>
+            <a:r>
+              <a:rPr lang="pt-BR" dirty="0"/>
+              <a:t>Ex.: O Sicredi precisa de um palestrante de Nutrição para uma ação social de educação alimentar e deu match com uma Nutricionista para aquele evento. Ela vai divulgar seu trabalho, o Sicredi a sua marca, a nutri vai acumular moedas para trocar por descontos de outro parceiro, como 50% no Mc Lanche Feliz.</a:t>
+            </a:r>
+          </a:p>
+        </p:txBody>
+      </p:sp>
+    </p:spTree>
+    <p:extLst>
+      <p:ext uri="{BB962C8B-B14F-4D97-AF65-F5344CB8AC3E}">
+        <p14:creationId xmlns:p14="http://schemas.microsoft.com/office/powerpoint/2010/main" val="4156963903"/>
+      </p:ext>
+    </p:extLst>
+  </p:cSld>
+  <p:clrMapOvr>
+    <a:masterClrMapping/>
+  </p:clrMapOvr>
+  <p:timing>
+    <p:tnLst>
+      <p:par>
+        <p:cTn id="1" dur="indefinite" restart="never" nodeType="tmRoot"/>
+      </p:par>
+    </p:tnLst>
+  </p:timing>
+</p:sld>
+</file>
+
+<file path=ppt/slides/slide6.xml><?xml version="1.0" encoding="utf-8"?>
+<p:sld xmlns:a="http://schemas.openxmlformats.org/drawingml/2006/main" xmlns:r="http://schemas.openxmlformats.org/officeDocument/2006/relationships" xmlns:p="http://schemas.openxmlformats.org/presentationml/2006/main">
+  <p:cSld>
+    <p:spTree>
+      <p:nvGrpSpPr>
+        <p:cNvPr id="1" name=""/>
+        <p:cNvGrpSpPr/>
+        <p:nvPr/>
+      </p:nvGrpSpPr>
+      <p:grpSpPr>
+        <a:xfrm>
+          <a:off x="0" y="0"/>
+          <a:ext cx="0" cy="0"/>
+          <a:chOff x="0" y="0"/>
+          <a:chExt cx="0" cy="0"/>
+        </a:xfrm>
+      </p:grpSpPr>
+      <p:sp>
+        <p:nvSpPr>
+          <p:cNvPr id="4" name="Título 1">
+            <a:extLst>
+              <a:ext uri="{FF2B5EF4-FFF2-40B4-BE49-F238E27FC236}">
+                <a16:creationId xmlns="" xmlns:a16="http://schemas.microsoft.com/office/drawing/2014/main" xmlns:lc="http://schemas.openxmlformats.org/drawingml/2006/lockedCanvas" id="{F2798ED8-6DFF-4F0D-9121-8131C0970434}"/>
+              </a:ext>
+            </a:extLst>
+          </p:cNvPr>
+          <p:cNvSpPr>
+            <a:spLocks noGrp="1"/>
+          </p:cNvSpPr>
+          <p:nvPr>
+            <p:ph type="title"/>
+          </p:nvPr>
+        </p:nvSpPr>
+        <p:spPr>
+          <a:prstGeom prst="rect">
+            <a:avLst/>
+          </a:prstGeom>
+        </p:spPr>
+        <p:txBody>
+          <a:bodyPr vert="horz" lIns="91440" tIns="45720" rIns="91440" bIns="45720" rtlCol="0" anchor="ctr">
+            <a:normAutofit/>
+          </a:bodyPr>
+          <a:lstStyle>
+            <a:lvl1pPr algn="l" defTabSz="914400" rtl="0" eaLnBrk="1" latinLnBrk="0" hangingPunct="1">
+              <a:lnSpc>
+                <a:spcPct val="90000"/>
+              </a:lnSpc>
+              <a:spcBef>
+                <a:spcPct val="0"/>
+              </a:spcBef>
+              <a:buNone/>
+              <a:defRPr sz="4400" kern="1200">
+                <a:solidFill>
+                  <a:schemeClr val="tx1"/>
+                </a:solidFill>
+                <a:latin typeface="+mj-lt"/>
+                <a:ea typeface="+mj-ea"/>
+                <a:cs typeface="+mj-cs"/>
+              </a:defRPr>
+            </a:lvl1pPr>
+          </a:lstStyle>
+          <a:p>
+            <a:r>
+              <a:rPr lang="pt-BR" dirty="0">
+                <a:solidFill>
+                  <a:schemeClr val="accent2"/>
+                </a:solidFill>
+              </a:rPr>
+              <a:t>Persona</a:t>
+            </a:r>
+          </a:p>
+        </p:txBody>
+      </p:sp>
+      <p:sp>
+        <p:nvSpPr>
+          <p:cNvPr id="5" name="Espaço Reservado para Conteúdo 2">
+            <a:extLst>
+              <a:ext uri="{FF2B5EF4-FFF2-40B4-BE49-F238E27FC236}">
+                <a16:creationId xmlns="" xmlns:a16="http://schemas.microsoft.com/office/drawing/2014/main" xmlns:lc="http://schemas.openxmlformats.org/drawingml/2006/lockedCanvas" id="{7A56A12D-B3F9-4804-A12D-4F2A8AE4C3D1}"/>
+              </a:ext>
+            </a:extLst>
+          </p:cNvPr>
+          <p:cNvSpPr>
+            <a:spLocks noGrp="1"/>
+          </p:cNvSpPr>
+          <p:nvPr>
+            <p:ph idx="1"/>
+          </p:nvPr>
+        </p:nvSpPr>
+        <p:spPr>
+          <a:prstGeom prst="rect">
+            <a:avLst/>
+          </a:prstGeom>
+        </p:spPr>
+        <p:txBody>
+          <a:bodyPr vert="horz" lIns="91440" tIns="45720" rIns="91440" bIns="45720" rtlCol="0">
+            <a:normAutofit/>
+          </a:bodyPr>
+          <a:lstStyle>
+            <a:lvl1pPr marL="228600" indent="-228600" algn="l" defTabSz="914400" rtl="0" eaLnBrk="1" latinLnBrk="0" hangingPunct="1">
+              <a:lnSpc>
+                <a:spcPct val="90000"/>
+              </a:lnSpc>
+              <a:spcBef>
+                <a:spcPts val="1000"/>
+              </a:spcBef>
+              <a:buFont typeface="Arial" panose="020B0604020202020204" pitchFamily="34" charset="0"/>
+              <a:buChar char="•"/>
+              <a:defRPr sz="2800" kern="1200">
+                <a:solidFill>
+                  <a:schemeClr val="tx1"/>
+                </a:solidFill>
+                <a:latin typeface="+mn-lt"/>
+                <a:ea typeface="+mn-ea"/>
+                <a:cs typeface="+mn-cs"/>
+              </a:defRPr>
+            </a:lvl1pPr>
+            <a:lvl2pPr marL="685800" indent="-228600" algn="l" defTabSz="914400" rtl="0" eaLnBrk="1" latinLnBrk="0" hangingPunct="1">
+              <a:lnSpc>
+                <a:spcPct val="90000"/>
+              </a:lnSpc>
+              <a:spcBef>
+                <a:spcPts val="500"/>
+              </a:spcBef>
+              <a:buFont typeface="Arial" panose="020B0604020202020204" pitchFamily="34" charset="0"/>
+              <a:buChar char="•"/>
+              <a:defRPr sz="2400" kern="1200">
+                <a:solidFill>
+                  <a:schemeClr val="tx1"/>
+                </a:solidFill>
+                <a:latin typeface="+mn-lt"/>
+                <a:ea typeface="+mn-ea"/>
+                <a:cs typeface="+mn-cs"/>
+              </a:defRPr>
+            </a:lvl2pPr>
+            <a:lvl3pPr marL="1143000" indent="-228600" algn="l" defTabSz="914400" rtl="0" eaLnBrk="1" latinLnBrk="0" hangingPunct="1">
+              <a:lnSpc>
+                <a:spcPct val="90000"/>
+              </a:lnSpc>
+              <a:spcBef>
+                <a:spcPts val="500"/>
+              </a:spcBef>
+              <a:buFont typeface="Arial" panose="020B0604020202020204" pitchFamily="34" charset="0"/>
+              <a:buChar char="•"/>
+              <a:defRPr sz="2000" kern="1200">
+                <a:solidFill>
+                  <a:schemeClr val="tx1"/>
+                </a:solidFill>
+                <a:latin typeface="+mn-lt"/>
+                <a:ea typeface="+mn-ea"/>
+                <a:cs typeface="+mn-cs"/>
+              </a:defRPr>
+            </a:lvl3pPr>
+            <a:lvl4pPr marL="1600200" indent="-228600" algn="l" defTabSz="914400" rtl="0" eaLnBrk="1" latinLnBrk="0" hangingPunct="1">
+              <a:lnSpc>
+                <a:spcPct val="90000"/>
+              </a:lnSpc>
+              <a:spcBef>
+                <a:spcPts val="500"/>
+              </a:spcBef>
+              <a:buFont typeface="Arial" panose="020B0604020202020204" pitchFamily="34" charset="0"/>
+              <a:buChar char="•"/>
+              <a:defRPr sz="1800" kern="1200">
+                <a:solidFill>
+                  <a:schemeClr val="tx1"/>
+                </a:solidFill>
+                <a:latin typeface="+mn-lt"/>
+                <a:ea typeface="+mn-ea"/>
+                <a:cs typeface="+mn-cs"/>
+              </a:defRPr>
+            </a:lvl4pPr>
+            <a:lvl5pPr marL="2057400" indent="-228600" algn="l" defTabSz="914400" rtl="0" eaLnBrk="1" latinLnBrk="0" hangingPunct="1">
+              <a:lnSpc>
+                <a:spcPct val="90000"/>
+              </a:lnSpc>
+              <a:spcBef>
+                <a:spcPts val="500"/>
+              </a:spcBef>
+              <a:buFont typeface="Arial" panose="020B0604020202020204" pitchFamily="34" charset="0"/>
+              <a:buChar char="•"/>
+              <a:defRPr sz="1800" kern="1200">
+                <a:solidFill>
+                  <a:schemeClr val="tx1"/>
+                </a:solidFill>
+                <a:latin typeface="+mn-lt"/>
+                <a:ea typeface="+mn-ea"/>
+                <a:cs typeface="+mn-cs"/>
+              </a:defRPr>
+            </a:lvl5pPr>
+            <a:lvl6pPr marL="2514600" indent="-228600" algn="l" defTabSz="914400" rtl="0" eaLnBrk="1" latinLnBrk="0" hangingPunct="1">
+              <a:lnSpc>
+                <a:spcPct val="90000"/>
+              </a:lnSpc>
+              <a:spcBef>
+                <a:spcPts val="500"/>
+              </a:spcBef>
+              <a:buFont typeface="Arial" panose="020B0604020202020204" pitchFamily="34" charset="0"/>
+              <a:buChar char="•"/>
+              <a:defRPr sz="1800" kern="1200">
+                <a:solidFill>
+                  <a:schemeClr val="tx1"/>
+                </a:solidFill>
+                <a:latin typeface="+mn-lt"/>
+                <a:ea typeface="+mn-ea"/>
+                <a:cs typeface="+mn-cs"/>
+              </a:defRPr>
+            </a:lvl6pPr>
+            <a:lvl7pPr marL="2971800" indent="-228600" algn="l" defTabSz="914400" rtl="0" eaLnBrk="1" latinLnBrk="0" hangingPunct="1">
+              <a:lnSpc>
+                <a:spcPct val="90000"/>
+              </a:lnSpc>
+              <a:spcBef>
+                <a:spcPts val="500"/>
+              </a:spcBef>
+              <a:buFont typeface="Arial" panose="020B0604020202020204" pitchFamily="34" charset="0"/>
+              <a:buChar char="•"/>
+              <a:defRPr sz="1800" kern="1200">
+                <a:solidFill>
+                  <a:schemeClr val="tx1"/>
+                </a:solidFill>
+                <a:latin typeface="+mn-lt"/>
+                <a:ea typeface="+mn-ea"/>
+                <a:cs typeface="+mn-cs"/>
+              </a:defRPr>
+            </a:lvl7pPr>
+            <a:lvl8pPr marL="3429000" indent="-228600" algn="l" defTabSz="914400" rtl="0" eaLnBrk="1" latinLnBrk="0" hangingPunct="1">
+              <a:lnSpc>
+                <a:spcPct val="90000"/>
+              </a:lnSpc>
+              <a:spcBef>
+                <a:spcPts val="500"/>
+              </a:spcBef>
+              <a:buFont typeface="Arial" panose="020B0604020202020204" pitchFamily="34" charset="0"/>
+              <a:buChar char="•"/>
+              <a:defRPr sz="1800" kern="1200">
+                <a:solidFill>
+                  <a:schemeClr val="tx1"/>
+                </a:solidFill>
+                <a:latin typeface="+mn-lt"/>
+                <a:ea typeface="+mn-ea"/>
+                <a:cs typeface="+mn-cs"/>
+              </a:defRPr>
+            </a:lvl8pPr>
+            <a:lvl9pPr marL="3886200" indent="-228600" algn="l" defTabSz="914400" rtl="0" eaLnBrk="1" latinLnBrk="0" hangingPunct="1">
+              <a:lnSpc>
+                <a:spcPct val="90000"/>
+              </a:lnSpc>
+              <a:spcBef>
+                <a:spcPts val="500"/>
+              </a:spcBef>
+              <a:buFont typeface="Arial" panose="020B0604020202020204" pitchFamily="34" charset="0"/>
+              <a:buChar char="•"/>
+              <a:defRPr sz="1800" kern="1200">
+                <a:solidFill>
+                  <a:schemeClr val="tx1"/>
+                </a:solidFill>
+                <a:latin typeface="+mn-lt"/>
+                <a:ea typeface="+mn-ea"/>
+                <a:cs typeface="+mn-cs"/>
+              </a:defRPr>
+            </a:lvl9pPr>
+          </a:lstStyle>
+          <a:p>
+            <a:pPr marL="0" indent="0" algn="just">
+              <a:buNone/>
+            </a:pPr>
+            <a:r>
+              <a:rPr lang="pt-BR" dirty="0"/>
+              <a:t>Letícia, tenho 26 anos, gostaria de ajudar mais a minha comunidade em algum trabalho voluntário, mas não sei como iniciar essa jornada. Gostaria de ter alguma solução que me mostrasse coisas de meu interesse, como cachorrinhos e eu pudesse ajudar causas deste tipo através do meu tempo e também que eu pudesse ser ajudada, pois tenho dificuldade em gerenciar o meu tempo diante de tantas atividades que quero fazer. </a:t>
+            </a:r>
+          </a:p>
+        </p:txBody>
+      </p:sp>
+    </p:spTree>
+    <p:extLst>
+      <p:ext uri="{BB962C8B-B14F-4D97-AF65-F5344CB8AC3E}">
+        <p14:creationId xmlns:p14="http://schemas.microsoft.com/office/powerpoint/2010/main" val="4119341182"/>
+      </p:ext>
+    </p:extLst>
+  </p:cSld>
+  <p:clrMapOvr>
+    <a:masterClrMapping/>
+  </p:clrMapOvr>
+  <p:timing>
+    <p:tnLst>
+      <p:par>
+        <p:cTn id="1" dur="indefinite" restart="never" nodeType="tmRoot"/>
+      </p:par>
+    </p:tnLst>
+  </p:timing>
+</p:sld>
+</file>
+
+<file path=ppt/slides/slide7.xml><?xml version="1.0" encoding="utf-8"?>
 <p:sld xmlns:a="http://schemas.openxmlformats.org/drawingml/2006/main" xmlns:r="http://schemas.openxmlformats.org/officeDocument/2006/relationships" xmlns:p="http://schemas.openxmlformats.org/presentationml/2006/main">
   <p:cSld>
     <p:spTree>
@@ -3668,20 +5415,27 @@
     </p:spTree>
     <p:extLst>
       <p:ext uri="{BB962C8B-B14F-4D97-AF65-F5344CB8AC3E}">
-        <p14:creationId xmlns:p14="http://schemas.microsoft.com/office/powerpoint/2010/main" val="3643540696"/>
+        <p14:creationId xmlns:p14="http://schemas.microsoft.com/office/powerpoint/2010/main" val="786786734"/>
       </p:ext>
     </p:extLst>
   </p:cSld>
   <p:clrMapOvr>
     <a:masterClrMapping/>
   </p:clrMapOvr>
+  <p:timing>
+    <p:tnLst>
+      <p:par>
+        <p:cTn id="1" dur="indefinite" restart="never" nodeType="tmRoot"/>
+      </p:par>
+    </p:tnLst>
+  </p:timing>
 </p:sld>
 </file>
 
 <file path=ppt/theme/theme1.xml><?xml version="1.0" encoding="utf-8"?>
 <a:theme xmlns:a="http://schemas.openxmlformats.org/drawingml/2006/main" name="Base">
   <a:themeElements>
-    <a:clrScheme name="Basis">
+    <a:clrScheme name="Base">
       <a:dk1>
         <a:srgbClr val="000000"/>
       </a:dk1>
@@ -3719,7 +5473,7 @@
         <a:srgbClr val="B2B2B2"/>
       </a:folHlink>
     </a:clrScheme>
-    <a:fontScheme name="Basis">
+    <a:fontScheme name="Base">
       <a:majorFont>
         <a:latin typeface="Corbel" panose="020B0503020204020204"/>
         <a:ea typeface=""/>
@@ -3791,7 +5545,7 @@
         <a:font script="Geor" typeface="Sylfaen"/>
       </a:minorFont>
     </a:fontScheme>
-    <a:fmtScheme name="Basis">
+    <a:fmtScheme name="Base">
       <a:fillStyleLst>
         <a:solidFill>
           <a:schemeClr val="phClr"/>
